--- a/lessons/3_derivation/ppt/全连接层的前向和后向传播推导（下）.pptx
+++ b/lessons/3_derivation/ppt/全连接层的前向和后向传播推导（下）.pptx
@@ -5,10 +5,10 @@
     <p:sldMasterId id="2147483648" r:id="rId1"/>
   </p:sldMasterIdLst>
   <p:notesMasterIdLst>
-    <p:notesMasterId r:id="rId29"/>
+    <p:notesMasterId r:id="rId28"/>
   </p:notesMasterIdLst>
   <p:handoutMasterIdLst>
-    <p:handoutMasterId r:id="rId30"/>
+    <p:handoutMasterId r:id="rId29"/>
   </p:handoutMasterIdLst>
   <p:sldIdLst>
     <p:sldId id="307" r:id="rId2"/>
@@ -21,28 +21,27 @@
     <p:sldId id="1001" r:id="rId9"/>
     <p:sldId id="1005" r:id="rId10"/>
     <p:sldId id="1002" r:id="rId11"/>
-    <p:sldId id="1025" r:id="rId12"/>
-    <p:sldId id="1026" r:id="rId13"/>
-    <p:sldId id="1027" r:id="rId14"/>
-    <p:sldId id="1016" r:id="rId15"/>
-    <p:sldId id="1017" r:id="rId16"/>
-    <p:sldId id="1018" r:id="rId17"/>
-    <p:sldId id="1015" r:id="rId18"/>
-    <p:sldId id="1019" r:id="rId19"/>
-    <p:sldId id="1023" r:id="rId20"/>
-    <p:sldId id="1024" r:id="rId21"/>
-    <p:sldId id="537" r:id="rId22"/>
-    <p:sldId id="536" r:id="rId23"/>
-    <p:sldId id="1014" r:id="rId24"/>
-    <p:sldId id="1013" r:id="rId25"/>
-    <p:sldId id="997" r:id="rId26"/>
-    <p:sldId id="998" r:id="rId27"/>
-    <p:sldId id="653" r:id="rId28"/>
+    <p:sldId id="1026" r:id="rId12"/>
+    <p:sldId id="1027" r:id="rId13"/>
+    <p:sldId id="1016" r:id="rId14"/>
+    <p:sldId id="1017" r:id="rId15"/>
+    <p:sldId id="1018" r:id="rId16"/>
+    <p:sldId id="1015" r:id="rId17"/>
+    <p:sldId id="1019" r:id="rId18"/>
+    <p:sldId id="1023" r:id="rId19"/>
+    <p:sldId id="1024" r:id="rId20"/>
+    <p:sldId id="537" r:id="rId21"/>
+    <p:sldId id="536" r:id="rId22"/>
+    <p:sldId id="1014" r:id="rId23"/>
+    <p:sldId id="1013" r:id="rId24"/>
+    <p:sldId id="997" r:id="rId25"/>
+    <p:sldId id="998" r:id="rId26"/>
+    <p:sldId id="653" r:id="rId27"/>
   </p:sldIdLst>
   <p:sldSz cx="12192000" cy="6858000"/>
   <p:notesSz cx="6858000" cy="9144000"/>
   <p:custDataLst>
-    <p:tags r:id="rId31"/>
+    <p:tags r:id="rId30"/>
   </p:custDataLst>
   <p:defaultTextStyle>
     <a:defPPr>
@@ -6593,10 +6592,10 @@
                           </m:e>
                           <m:sub>
                             <m:r>
-                              <a:rPr lang="en-US" altLang="zh-CN" i="1">
+                              <a:rPr lang="en-US" altLang="zh-CN" b="0" i="1" smtClean="0">
                                 <a:latin typeface="Cambria Math" panose="02040503050406030204" pitchFamily="18" charset="0"/>
                               </a:rPr>
-                              <m:t>35</m:t>
+                              <m:t>53</m:t>
                             </m:r>
                           </m:sub>
                         </m:sSub>
@@ -6735,15 +6734,15 @@
       </p:sp>
       <p:pic>
         <p:nvPicPr>
-          <p:cNvPr id="7" name="Picture 2" descr="image">
+          <p:cNvPr id="9" name="图片 8">
             <a:extLst>
               <a:ext uri="{FF2B5EF4-FFF2-40B4-BE49-F238E27FC236}">
-                <a16:creationId xmlns:a16="http://schemas.microsoft.com/office/drawing/2014/main" id="{C4DF24B1-B2BB-6D4A-BDF2-5E00BC9E9A3F}"/>
+                <a16:creationId xmlns:a16="http://schemas.microsoft.com/office/drawing/2014/main" id="{F98C3358-A1EA-9B40-3A0D-C7EB3CC55847}"/>
               </a:ext>
             </a:extLst>
           </p:cNvPr>
           <p:cNvPicPr>
-            <a:picLocks noChangeAspect="1" noChangeArrowheads="1"/>
+            <a:picLocks noChangeAspect="1"/>
           </p:cNvPicPr>
           <p:nvPr/>
         </p:nvPicPr>
@@ -6755,37 +6754,26 @@
               </a:ext>
             </a:extLst>
           </a:blip>
-          <a:srcRect/>
           <a:stretch>
             <a:fillRect/>
           </a:stretch>
         </p:blipFill>
-        <p:spPr bwMode="auto">
+        <p:spPr>
           <a:xfrm>
-            <a:off x="7857810" y="1517134"/>
-            <a:ext cx="3979879" cy="2573778"/>
+            <a:off x="1597687" y="2120427"/>
+            <a:ext cx="5775446" cy="1597463"/>
           </a:xfrm>
           <a:prstGeom prst="rect">
             <a:avLst/>
           </a:prstGeom>
-          <a:noFill/>
-          <a:extLst>
-            <a:ext uri="{909E8E84-426E-40DD-AFC4-6F175D3DCCD1}">
-              <a14:hiddenFill xmlns:a14="http://schemas.microsoft.com/office/drawing/2010/main">
-                <a:solidFill>
-                  <a:srgbClr val="FFFFFF"/>
-                </a:solidFill>
-              </a14:hiddenFill>
-            </a:ext>
-          </a:extLst>
         </p:spPr>
       </p:pic>
       <p:pic>
         <p:nvPicPr>
-          <p:cNvPr id="9" name="图片 8">
+          <p:cNvPr id="4" name="图片 3">
             <a:extLst>
               <a:ext uri="{FF2B5EF4-FFF2-40B4-BE49-F238E27FC236}">
-                <a16:creationId xmlns:a16="http://schemas.microsoft.com/office/drawing/2014/main" id="{F98C3358-A1EA-9B40-3A0D-C7EB3CC55847}"/>
+                <a16:creationId xmlns:a16="http://schemas.microsoft.com/office/drawing/2014/main" id="{ED7528D7-7EB6-9F05-05D4-C15DFBCB0D13}"/>
               </a:ext>
             </a:extLst>
           </p:cNvPr>
@@ -6808,8 +6796,8 @@
         </p:blipFill>
         <p:spPr>
           <a:xfrm>
-            <a:off x="1597687" y="2120427"/>
-            <a:ext cx="5775446" cy="1597463"/>
+            <a:off x="7666801" y="1585658"/>
+            <a:ext cx="4127500" cy="2667000"/>
           </a:xfrm>
           <a:prstGeom prst="rect">
             <a:avLst/>
@@ -6818,10 +6806,10 @@
       </p:pic>
       <p:pic>
         <p:nvPicPr>
-          <p:cNvPr id="11" name="图片 10">
+          <p:cNvPr id="6" name="图片 5">
             <a:extLst>
               <a:ext uri="{FF2B5EF4-FFF2-40B4-BE49-F238E27FC236}">
-                <a16:creationId xmlns:a16="http://schemas.microsoft.com/office/drawing/2014/main" id="{59F49833-BB3C-EEA3-48E1-A9D305B6D35B}"/>
+                <a16:creationId xmlns:a16="http://schemas.microsoft.com/office/drawing/2014/main" id="{A94BF059-2675-6EC5-3CAF-02E3F8603453}"/>
               </a:ext>
             </a:extLst>
           </p:cNvPr>
@@ -6844,8 +6832,8 @@
         </p:blipFill>
         <p:spPr>
           <a:xfrm>
-            <a:off x="3027343" y="3717890"/>
-            <a:ext cx="5111820" cy="2601551"/>
+            <a:off x="3336053" y="4078832"/>
+            <a:ext cx="4478354" cy="2274814"/>
           </a:xfrm>
           <a:prstGeom prst="rect">
             <a:avLst/>
@@ -6869,405 +6857,6 @@
 </file>
 
 <file path=ppt/slides/slide11.xml><?xml version="1.0" encoding="utf-8"?>
-<p:sld xmlns:a="http://schemas.openxmlformats.org/drawingml/2006/main" xmlns:r="http://schemas.openxmlformats.org/officeDocument/2006/relationships" xmlns:p="http://schemas.openxmlformats.org/presentationml/2006/main">
-  <p:cSld>
-    <p:spTree>
-      <p:nvGrpSpPr>
-        <p:cNvPr id="1" name=""/>
-        <p:cNvGrpSpPr/>
-        <p:nvPr/>
-      </p:nvGrpSpPr>
-      <p:grpSpPr>
-        <a:xfrm>
-          <a:off x="0" y="0"/>
-          <a:ext cx="0" cy="0"/>
-          <a:chOff x="0" y="0"/>
-          <a:chExt cx="0" cy="0"/>
-        </a:xfrm>
-      </p:grpSpPr>
-      <mc:AlternateContent xmlns:mc="http://schemas.openxmlformats.org/markup-compatibility/2006">
-        <mc:Choice xmlns:a14="http://schemas.microsoft.com/office/drawing/2010/main" Requires="a14">
-          <p:sp>
-            <p:nvSpPr>
-              <p:cNvPr id="2" name="文本占位符 1"/>
-              <p:cNvSpPr>
-                <a:spLocks noGrp="1"/>
-              </p:cNvSpPr>
-              <p:nvPr>
-                <p:ph type="body" idx="1"/>
-              </p:nvPr>
-            </p:nvSpPr>
-            <p:spPr/>
-            <p:txBody>
-              <a:bodyPr/>
-              <a:lstStyle/>
-              <a:p>
-                <a:pPr marL="285750" indent="-285750">
-                  <a:buFont typeface="Arial" panose="020B0604020202020204" pitchFamily="34" charset="0"/>
-                  <a:buChar char="•"/>
-                </a:pPr>
-                <a:r>
-                  <a:rPr lang="zh-CN" altLang="en-US" dirty="0"/>
-                  <a:t>输出层的梯度下降公式是什么？</a:t>
-                </a:r>
-                <a:endParaRPr lang="en-US" altLang="zh-CN" dirty="0"/>
-              </a:p>
-              <a:p>
-                <a:pPr marL="285750" indent="-285750">
-                  <a:buFont typeface="Arial" panose="020B0604020202020204" pitchFamily="34" charset="0"/>
-                  <a:buChar char="•"/>
-                </a:pPr>
-                <a:endParaRPr lang="en-US" altLang="zh-CN" dirty="0"/>
-              </a:p>
-              <a:p>
-                <a:pPr marL="285750" indent="-285750">
-                  <a:buFont typeface="Arial" panose="020B0604020202020204" pitchFamily="34" charset="0"/>
-                  <a:buChar char="•"/>
-                </a:pPr>
-                <a:endParaRPr lang="en-US" altLang="zh-CN" dirty="0"/>
-              </a:p>
-              <a:p>
-                <a:pPr marL="285750" indent="-285750">
-                  <a:buFont typeface="Arial" panose="020B0604020202020204" pitchFamily="34" charset="0"/>
-                  <a:buChar char="•"/>
-                </a:pPr>
-                <a:endParaRPr lang="en-US" altLang="zh-CN" dirty="0"/>
-              </a:p>
-              <a:p>
-                <a:pPr marL="285750" indent="-285750">
-                  <a:buFont typeface="Arial" panose="020B0604020202020204" pitchFamily="34" charset="0"/>
-                  <a:buChar char="•"/>
-                </a:pPr>
-                <a:endParaRPr lang="en-US" altLang="zh-CN" dirty="0"/>
-              </a:p>
-              <a:p>
-                <a:pPr marL="285750" indent="-285750">
-                  <a:buFont typeface="Arial" panose="020B0604020202020204" pitchFamily="34" charset="0"/>
-                  <a:buChar char="•"/>
-                </a:pPr>
-                <a:r>
-                  <a:rPr lang="zh-CN" altLang="en-US" dirty="0"/>
-                  <a:t>如何求</a:t>
-                </a:r>
-                <a14:m>
-                  <m:oMath xmlns:m="http://schemas.openxmlformats.org/officeDocument/2006/math">
-                    <m:f>
-                      <m:fPr>
-                        <m:ctrlPr>
-                          <a:rPr lang="en-US" altLang="zh-CN" i="1">
-                            <a:latin typeface="Cambria Math" panose="02040503050406030204" pitchFamily="18" charset="0"/>
-                          </a:rPr>
-                        </m:ctrlPr>
-                      </m:fPr>
-                      <m:num>
-                        <m:r>
-                          <a:rPr lang="en-US" altLang="zh-CN" i="1">
-                            <a:latin typeface="Cambria Math" panose="02040503050406030204" pitchFamily="18" charset="0"/>
-                          </a:rPr>
-                          <m:t>𝑑𝐸</m:t>
-                        </m:r>
-                      </m:num>
-                      <m:den>
-                        <m:r>
-                          <a:rPr lang="en-US" altLang="zh-CN" i="1">
-                            <a:latin typeface="Cambria Math" panose="02040503050406030204" pitchFamily="18" charset="0"/>
-                          </a:rPr>
-                          <m:t>𝑑</m:t>
-                        </m:r>
-                        <m:sSub>
-                          <m:sSubPr>
-                            <m:ctrlPr>
-                              <a:rPr lang="en-US" altLang="zh-CN" i="1">
-                                <a:latin typeface="Cambria Math" panose="02040503050406030204" pitchFamily="18" charset="0"/>
-                              </a:rPr>
-                            </m:ctrlPr>
-                          </m:sSubPr>
-                          <m:e>
-                            <m:r>
-                              <a:rPr lang="en-US" altLang="zh-CN" i="1">
-                                <a:latin typeface="Cambria Math" panose="02040503050406030204" pitchFamily="18" charset="0"/>
-                              </a:rPr>
-                              <m:t>𝑤</m:t>
-                            </m:r>
-                          </m:e>
-                          <m:sub>
-                            <m:r>
-                              <a:rPr lang="en-US" altLang="zh-CN" i="1">
-                                <a:latin typeface="Cambria Math" panose="02040503050406030204" pitchFamily="18" charset="0"/>
-                              </a:rPr>
-                              <m:t>35</m:t>
-                            </m:r>
-                          </m:sub>
-                        </m:sSub>
-                      </m:den>
-                    </m:f>
-                  </m:oMath>
-                </a14:m>
-                <a:r>
-                  <a:rPr lang="zh-CN" altLang="en-US" dirty="0"/>
-                  <a:t>？</a:t>
-                </a:r>
-              </a:p>
-              <a:p>
-                <a:pPr marL="285750" indent="-285750">
-                  <a:buFont typeface="Arial" panose="020B0604020202020204" pitchFamily="34" charset="0"/>
-                  <a:buChar char="•"/>
-                </a:pPr>
-                <a:r>
-                  <a:rPr lang="zh-CN" altLang="en-US" dirty="0"/>
-                  <a:t>如何去掉激活函数</a:t>
-                </a:r>
-                <a:r>
-                  <a:rPr lang="en-US" altLang="zh-CN" dirty="0"/>
-                  <a:t>?</a:t>
-                </a:r>
-              </a:p>
-              <a:p>
-                <a:pPr marL="285750" indent="-285750">
-                  <a:buFont typeface="Arial" panose="020B0604020202020204" pitchFamily="34" charset="0"/>
-                  <a:buChar char="•"/>
-                </a:pPr>
-                <a:endParaRPr lang="en-US" altLang="zh-CN" dirty="0"/>
-              </a:p>
-              <a:p>
-                <a:pPr marL="285750" indent="-285750">
-                  <a:buFont typeface="Arial" panose="020B0604020202020204" pitchFamily="34" charset="0"/>
-                  <a:buChar char="•"/>
-                </a:pPr>
-                <a:endParaRPr lang="en-US" altLang="zh-CN" dirty="0"/>
-              </a:p>
-              <a:p>
-                <a:pPr marL="285750" indent="-285750">
-                  <a:buFont typeface="Arial" panose="020B0604020202020204" pitchFamily="34" charset="0"/>
-                  <a:buChar char="•"/>
-                </a:pPr>
-                <a:r>
-                  <a:rPr lang="zh-CN" altLang="en-US" dirty="0"/>
-                  <a:t>自学、展学</a:t>
-                </a:r>
-              </a:p>
-              <a:p>
-                <a:pPr marL="285750" indent="-285750">
-                  <a:buFont typeface="Arial" panose="020B0604020202020204" pitchFamily="34" charset="0"/>
-                  <a:buChar char="•"/>
-                </a:pPr>
-                <a:endParaRPr lang="en-US" altLang="zh-CN" dirty="0"/>
-              </a:p>
-              <a:p>
-                <a:pPr marL="285750" indent="-285750">
-                  <a:buFont typeface="Arial" panose="020B0604020202020204" pitchFamily="34" charset="0"/>
-                  <a:buChar char="•"/>
-                </a:pPr>
-                <a:endParaRPr lang="en-US" altLang="zh-CN" dirty="0"/>
-              </a:p>
-              <a:p>
-                <a:pPr marL="285750" indent="-285750">
-                  <a:buFont typeface="Arial" panose="020B0604020202020204" pitchFamily="34" charset="0"/>
-                  <a:buChar char="•"/>
-                </a:pPr>
-                <a:endParaRPr lang="en-US" altLang="zh-CN" dirty="0"/>
-              </a:p>
-            </p:txBody>
-          </p:sp>
-        </mc:Choice>
-        <mc:Fallback>
-          <p:sp>
-            <p:nvSpPr>
-              <p:cNvPr id="2" name="文本占位符 1"/>
-              <p:cNvSpPr>
-                <a:spLocks noGrp="1" noRot="1" noChangeAspect="1" noMove="1" noResize="1" noEditPoints="1" noAdjustHandles="1" noChangeArrowheads="1" noChangeShapeType="1" noTextEdit="1"/>
-              </p:cNvSpPr>
-              <p:nvPr>
-                <p:ph type="body" idx="1"/>
-              </p:nvPr>
-            </p:nvSpPr>
-            <p:spPr>
-              <a:blipFill>
-                <a:blip r:embed="rId3"/>
-                <a:stretch>
-                  <a:fillRect/>
-                </a:stretch>
-              </a:blipFill>
-            </p:spPr>
-            <p:txBody>
-              <a:bodyPr/>
-              <a:lstStyle/>
-              <a:p>
-                <a:r>
-                  <a:rPr lang="zh-CN" altLang="en-US">
-                    <a:noFill/>
-                  </a:rPr>
-                  <a:t> </a:t>
-                </a:r>
-              </a:p>
-            </p:txBody>
-          </p:sp>
-        </mc:Fallback>
-      </mc:AlternateContent>
-      <p:sp>
-        <p:nvSpPr>
-          <p:cNvPr id="3" name="标题 2"/>
-          <p:cNvSpPr>
-            <a:spLocks noGrp="1"/>
-          </p:cNvSpPr>
-          <p:nvPr>
-            <p:ph type="title"/>
-          </p:nvPr>
-        </p:nvSpPr>
-        <p:spPr/>
-        <p:txBody>
-          <a:bodyPr/>
-          <a:lstStyle/>
-          <a:p>
-            <a:r>
-              <a:rPr lang="zh-CN" altLang="en-US" dirty="0">
-                <a:sym typeface="+mn-ea"/>
-              </a:rPr>
-              <a:t>主问题：如何推导</a:t>
-            </a:r>
-            <a:r>
-              <a:rPr lang="zh-CN" altLang="en-US" dirty="0"/>
-              <a:t>全连接层的后向传播？</a:t>
-            </a:r>
-          </a:p>
-        </p:txBody>
-      </p:sp>
-      <p:pic>
-        <p:nvPicPr>
-          <p:cNvPr id="7" name="Picture 2" descr="image">
-            <a:extLst>
-              <a:ext uri="{FF2B5EF4-FFF2-40B4-BE49-F238E27FC236}">
-                <a16:creationId xmlns:a16="http://schemas.microsoft.com/office/drawing/2014/main" id="{C4DF24B1-B2BB-6D4A-BDF2-5E00BC9E9A3F}"/>
-              </a:ext>
-            </a:extLst>
-          </p:cNvPr>
-          <p:cNvPicPr>
-            <a:picLocks noChangeAspect="1" noChangeArrowheads="1"/>
-          </p:cNvPicPr>
-          <p:nvPr/>
-        </p:nvPicPr>
-        <p:blipFill>
-          <a:blip r:embed="rId4">
-            <a:extLst>
-              <a:ext uri="{28A0092B-C50C-407E-A947-70E740481C1C}">
-                <a14:useLocalDpi xmlns:a14="http://schemas.microsoft.com/office/drawing/2010/main" val="0"/>
-              </a:ext>
-            </a:extLst>
-          </a:blip>
-          <a:srcRect/>
-          <a:stretch>
-            <a:fillRect/>
-          </a:stretch>
-        </p:blipFill>
-        <p:spPr bwMode="auto">
-          <a:xfrm>
-            <a:off x="7590773" y="1211574"/>
-            <a:ext cx="3875560" cy="2506315"/>
-          </a:xfrm>
-          <a:prstGeom prst="rect">
-            <a:avLst/>
-          </a:prstGeom>
-          <a:noFill/>
-          <a:extLst>
-            <a:ext uri="{909E8E84-426E-40DD-AFC4-6F175D3DCCD1}">
-              <a14:hiddenFill xmlns:a14="http://schemas.microsoft.com/office/drawing/2010/main">
-                <a:solidFill>
-                  <a:srgbClr val="FFFFFF"/>
-                </a:solidFill>
-              </a14:hiddenFill>
-            </a:ext>
-          </a:extLst>
-        </p:spPr>
-      </p:pic>
-      <p:pic>
-        <p:nvPicPr>
-          <p:cNvPr id="9" name="图片 8">
-            <a:extLst>
-              <a:ext uri="{FF2B5EF4-FFF2-40B4-BE49-F238E27FC236}">
-                <a16:creationId xmlns:a16="http://schemas.microsoft.com/office/drawing/2014/main" id="{F98C3358-A1EA-9B40-3A0D-C7EB3CC55847}"/>
-              </a:ext>
-            </a:extLst>
-          </p:cNvPr>
-          <p:cNvPicPr>
-            <a:picLocks noChangeAspect="1"/>
-          </p:cNvPicPr>
-          <p:nvPr/>
-        </p:nvPicPr>
-        <p:blipFill>
-          <a:blip r:embed="rId5">
-            <a:extLst>
-              <a:ext uri="{28A0092B-C50C-407E-A947-70E740481C1C}">
-                <a14:useLocalDpi xmlns:a14="http://schemas.microsoft.com/office/drawing/2010/main" val="0"/>
-              </a:ext>
-            </a:extLst>
-          </a:blip>
-          <a:stretch>
-            <a:fillRect/>
-          </a:stretch>
-        </p:blipFill>
-        <p:spPr>
-          <a:xfrm>
-            <a:off x="1597687" y="2120427"/>
-            <a:ext cx="5775446" cy="1597463"/>
-          </a:xfrm>
-          <a:prstGeom prst="rect">
-            <a:avLst/>
-          </a:prstGeom>
-        </p:spPr>
-      </p:pic>
-      <p:pic>
-        <p:nvPicPr>
-          <p:cNvPr id="8" name="图片 7">
-            <a:extLst>
-              <a:ext uri="{FF2B5EF4-FFF2-40B4-BE49-F238E27FC236}">
-                <a16:creationId xmlns:a16="http://schemas.microsoft.com/office/drawing/2014/main" id="{25883B66-A8B5-6726-211F-1DCBACE5818D}"/>
-              </a:ext>
-            </a:extLst>
-          </p:cNvPr>
-          <p:cNvPicPr>
-            <a:picLocks noChangeAspect="1"/>
-          </p:cNvPicPr>
-          <p:nvPr/>
-        </p:nvPicPr>
-        <p:blipFill>
-          <a:blip r:embed="rId6">
-            <a:extLst>
-              <a:ext uri="{28A0092B-C50C-407E-A947-70E740481C1C}">
-                <a14:useLocalDpi xmlns:a14="http://schemas.microsoft.com/office/drawing/2010/main" val="0"/>
-              </a:ext>
-            </a:extLst>
-          </a:blip>
-          <a:stretch>
-            <a:fillRect/>
-          </a:stretch>
-        </p:blipFill>
-        <p:spPr>
-          <a:xfrm>
-            <a:off x="3425198" y="3562140"/>
-            <a:ext cx="4106827" cy="3195376"/>
-          </a:xfrm>
-          <a:prstGeom prst="rect">
-            <a:avLst/>
-          </a:prstGeom>
-        </p:spPr>
-      </p:pic>
-    </p:spTree>
-    <p:custDataLst>
-      <p:tags r:id="rId1"/>
-    </p:custDataLst>
-    <p:extLst>
-      <p:ext uri="{BB962C8B-B14F-4D97-AF65-F5344CB8AC3E}">
-        <p14:creationId xmlns:p14="http://schemas.microsoft.com/office/powerpoint/2010/main" val="3675345872"/>
-      </p:ext>
-    </p:extLst>
-  </p:cSld>
-  <p:clrMapOvr>
-    <a:masterClrMapping/>
-  </p:clrMapOvr>
-</p:sld>
-</file>
-
-<file path=ppt/slides/slide12.xml><?xml version="1.0" encoding="utf-8"?>
 <p:sld xmlns:a="http://schemas.openxmlformats.org/drawingml/2006/main" xmlns:r="http://schemas.openxmlformats.org/officeDocument/2006/relationships" xmlns:p="http://schemas.openxmlformats.org/presentationml/2006/main">
   <p:cSld>
     <p:spTree>
@@ -7355,7 +6944,7 @@
 </p:sld>
 </file>
 
-<file path=ppt/slides/slide13.xml><?xml version="1.0" encoding="utf-8"?>
+<file path=ppt/slides/slide12.xml><?xml version="1.0" encoding="utf-8"?>
 <p:sld xmlns:a="http://schemas.openxmlformats.org/drawingml/2006/main" xmlns:r="http://schemas.openxmlformats.org/officeDocument/2006/relationships" xmlns:p="http://schemas.openxmlformats.org/presentationml/2006/main">
   <p:cSld>
     <p:spTree>
@@ -7486,7 +7075,7 @@
                               <a:rPr lang="en-US" altLang="zh-CN" b="0" i="1" smtClean="0">
                                 <a:latin typeface="Cambria Math" panose="02040503050406030204" pitchFamily="18" charset="0"/>
                               </a:rPr>
-                              <m:t>13</m:t>
+                              <m:t>31</m:t>
                             </m:r>
                           </m:sub>
                         </m:sSub>
@@ -7639,6 +7228,139 @@
 </p:sld>
 </file>
 
+<file path=ppt/slides/slide13.xml><?xml version="1.0" encoding="utf-8"?>
+<p:sld xmlns:a="http://schemas.openxmlformats.org/drawingml/2006/main" xmlns:r="http://schemas.openxmlformats.org/officeDocument/2006/relationships" xmlns:p="http://schemas.openxmlformats.org/presentationml/2006/main">
+  <p:cSld>
+    <p:spTree>
+      <p:nvGrpSpPr>
+        <p:cNvPr id="1" name=""/>
+        <p:cNvGrpSpPr/>
+        <p:nvPr/>
+      </p:nvGrpSpPr>
+      <p:grpSpPr>
+        <a:xfrm>
+          <a:off x="0" y="0"/>
+          <a:ext cx="0" cy="0"/>
+          <a:chOff x="0" y="0"/>
+          <a:chExt cx="0" cy="0"/>
+        </a:xfrm>
+      </p:grpSpPr>
+      <p:sp>
+        <p:nvSpPr>
+          <p:cNvPr id="2" name="文本占位符 1"/>
+          <p:cNvSpPr>
+            <a:spLocks noGrp="1"/>
+          </p:cNvSpPr>
+          <p:nvPr>
+            <p:ph type="body" idx="1"/>
+          </p:nvPr>
+        </p:nvSpPr>
+        <p:spPr/>
+        <p:txBody>
+          <a:bodyPr/>
+          <a:lstStyle/>
+          <a:p>
+            <a:pPr marL="285750" indent="-285750">
+              <a:buFont typeface="Arial" panose="020B0604020202020204" pitchFamily="34" charset="0"/>
+              <a:buChar char="•"/>
+            </a:pPr>
+            <a:r>
+              <a:rPr lang="zh-CN" altLang="en-US" dirty="0"/>
+              <a:t>推导输出层的误差项</a:t>
+            </a:r>
+            <a:endParaRPr lang="en-US" altLang="zh-CN" dirty="0"/>
+          </a:p>
+          <a:p>
+            <a:pPr marL="285750" indent="-285750">
+              <a:buFont typeface="Arial" panose="020B0604020202020204" pitchFamily="34" charset="0"/>
+              <a:buChar char="•"/>
+            </a:pPr>
+            <a:endParaRPr lang="en-US" altLang="zh-CN" dirty="0"/>
+          </a:p>
+          <a:p>
+            <a:pPr marL="285750" indent="-285750">
+              <a:buFont typeface="Arial" panose="020B0604020202020204" pitchFamily="34" charset="0"/>
+              <a:buChar char="•"/>
+            </a:pPr>
+            <a:endParaRPr lang="en-US" altLang="zh-CN" dirty="0"/>
+          </a:p>
+          <a:p>
+            <a:pPr marL="285750" indent="-285750">
+              <a:buFont typeface="Arial" panose="020B0604020202020204" pitchFamily="34" charset="0"/>
+              <a:buChar char="•"/>
+            </a:pPr>
+            <a:r>
+              <a:rPr lang="zh-CN" altLang="en-US" dirty="0"/>
+              <a:t>自学、展学</a:t>
+            </a:r>
+          </a:p>
+          <a:p>
+            <a:pPr marL="285750" indent="-285750">
+              <a:buFont typeface="Arial" panose="020B0604020202020204" pitchFamily="34" charset="0"/>
+              <a:buChar char="•"/>
+            </a:pPr>
+            <a:endParaRPr lang="en-US" altLang="zh-CN" dirty="0"/>
+          </a:p>
+          <a:p>
+            <a:pPr marL="285750" indent="-285750">
+              <a:buFont typeface="Arial" panose="020B0604020202020204" pitchFamily="34" charset="0"/>
+              <a:buChar char="•"/>
+            </a:pPr>
+            <a:endParaRPr lang="en-US" altLang="zh-CN" dirty="0"/>
+          </a:p>
+          <a:p>
+            <a:pPr marL="285750" indent="-285750">
+              <a:buFont typeface="Arial" panose="020B0604020202020204" pitchFamily="34" charset="0"/>
+              <a:buChar char="•"/>
+            </a:pPr>
+            <a:endParaRPr lang="en-US" altLang="zh-CN" dirty="0"/>
+          </a:p>
+        </p:txBody>
+      </p:sp>
+      <p:sp>
+        <p:nvSpPr>
+          <p:cNvPr id="3" name="标题 2"/>
+          <p:cNvSpPr>
+            <a:spLocks noGrp="1"/>
+          </p:cNvSpPr>
+          <p:nvPr>
+            <p:ph type="title"/>
+          </p:nvPr>
+        </p:nvSpPr>
+        <p:spPr/>
+        <p:txBody>
+          <a:bodyPr/>
+          <a:lstStyle/>
+          <a:p>
+            <a:r>
+              <a:rPr lang="zh-CN" altLang="en-US" dirty="0">
+                <a:sym typeface="+mn-ea"/>
+              </a:rPr>
+              <a:t>主问题：如何推导</a:t>
+            </a:r>
+            <a:r>
+              <a:rPr lang="zh-CN" altLang="en-US" dirty="0"/>
+              <a:t>全连接层的后向传播？</a:t>
+            </a:r>
+          </a:p>
+        </p:txBody>
+      </p:sp>
+    </p:spTree>
+    <p:custDataLst>
+      <p:tags r:id="rId1"/>
+    </p:custDataLst>
+    <p:extLst>
+      <p:ext uri="{BB962C8B-B14F-4D97-AF65-F5344CB8AC3E}">
+        <p14:creationId xmlns:p14="http://schemas.microsoft.com/office/powerpoint/2010/main" val="95354785"/>
+      </p:ext>
+    </p:extLst>
+  </p:cSld>
+  <p:clrMapOvr>
+    <a:masterClrMapping/>
+  </p:clrMapOvr>
+</p:sld>
+</file>
+
 <file path=ppt/slides/slide14.xml><?xml version="1.0" encoding="utf-8"?>
 <p:sld xmlns:a="http://schemas.openxmlformats.org/drawingml/2006/main" xmlns:r="http://schemas.openxmlformats.org/officeDocument/2006/relationships" xmlns:p="http://schemas.openxmlformats.org/presentationml/2006/main">
   <p:cSld>
@@ -7677,8 +7399,25 @@
             </a:pPr>
             <a:r>
               <a:rPr lang="zh-CN" altLang="en-US" dirty="0"/>
-              <a:t>推导输出层的误差项</a:t>
-            </a:r>
+              <a:t>推导隐藏层的误差项</a:t>
+            </a:r>
+            <a:endParaRPr lang="en-US" altLang="zh-CN" dirty="0"/>
+          </a:p>
+          <a:p>
+            <a:pPr marL="285750" indent="-285750">
+              <a:buFont typeface="Arial" panose="020B0604020202020204" pitchFamily="34" charset="0"/>
+              <a:buChar char="•"/>
+            </a:pPr>
+            <a:br>
+              <a:rPr lang="zh-CN" altLang="en-US" dirty="0"/>
+            </a:br>
+            <a:endParaRPr lang="en-US" altLang="zh-CN" dirty="0"/>
+          </a:p>
+          <a:p>
+            <a:pPr marL="285750" indent="-285750">
+              <a:buFont typeface="Arial" panose="020B0604020202020204" pitchFamily="34" charset="0"/>
+              <a:buChar char="•"/>
+            </a:pPr>
             <a:endParaRPr lang="en-US" altLang="zh-CN" dirty="0"/>
           </a:p>
           <a:p>
@@ -7762,7 +7501,7 @@
     </p:custDataLst>
     <p:extLst>
       <p:ext uri="{BB962C8B-B14F-4D97-AF65-F5344CB8AC3E}">
-        <p14:creationId xmlns:p14="http://schemas.microsoft.com/office/powerpoint/2010/main" val="95354785"/>
+        <p14:creationId xmlns:p14="http://schemas.microsoft.com/office/powerpoint/2010/main" val="2373764034"/>
       </p:ext>
     </p:extLst>
   </p:cSld>
@@ -7810,32 +7549,8 @@
             </a:pPr>
             <a:r>
               <a:rPr lang="zh-CN" altLang="en-US" dirty="0"/>
-              <a:t>推导隐藏层的误差项</a:t>
-            </a:r>
-            <a:endParaRPr lang="en-US" altLang="zh-CN" dirty="0"/>
-          </a:p>
-          <a:p>
-            <a:pPr marL="285750" indent="-285750">
-              <a:buFont typeface="Arial" panose="020B0604020202020204" pitchFamily="34" charset="0"/>
-              <a:buChar char="•"/>
-            </a:pPr>
-            <a:br>
-              <a:rPr lang="zh-CN" altLang="en-US" dirty="0"/>
-            </a:br>
-            <a:endParaRPr lang="en-US" altLang="zh-CN" dirty="0"/>
-          </a:p>
-          <a:p>
-            <a:pPr marL="285750" indent="-285750">
-              <a:buFont typeface="Arial" panose="020B0604020202020204" pitchFamily="34" charset="0"/>
-              <a:buChar char="•"/>
-            </a:pPr>
-            <a:endParaRPr lang="en-US" altLang="zh-CN" dirty="0"/>
-          </a:p>
-          <a:p>
-            <a:pPr marL="285750" indent="-285750">
-              <a:buFont typeface="Arial" panose="020B0604020202020204" pitchFamily="34" charset="0"/>
-              <a:buChar char="•"/>
-            </a:pPr>
+              <a:t>更新梯度下降算法</a:t>
+            </a:r>
             <a:endParaRPr lang="en-US" altLang="zh-CN" dirty="0"/>
           </a:p>
           <a:p>
@@ -7912,132 +7627,6 @@
     </p:custDataLst>
     <p:extLst>
       <p:ext uri="{BB962C8B-B14F-4D97-AF65-F5344CB8AC3E}">
-        <p14:creationId xmlns:p14="http://schemas.microsoft.com/office/powerpoint/2010/main" val="2373764034"/>
-      </p:ext>
-    </p:extLst>
-  </p:cSld>
-  <p:clrMapOvr>
-    <a:masterClrMapping/>
-  </p:clrMapOvr>
-</p:sld>
-</file>
-
-<file path=ppt/slides/slide16.xml><?xml version="1.0" encoding="utf-8"?>
-<p:sld xmlns:a="http://schemas.openxmlformats.org/drawingml/2006/main" xmlns:r="http://schemas.openxmlformats.org/officeDocument/2006/relationships" xmlns:p="http://schemas.openxmlformats.org/presentationml/2006/main">
-  <p:cSld>
-    <p:spTree>
-      <p:nvGrpSpPr>
-        <p:cNvPr id="1" name=""/>
-        <p:cNvGrpSpPr/>
-        <p:nvPr/>
-      </p:nvGrpSpPr>
-      <p:grpSpPr>
-        <a:xfrm>
-          <a:off x="0" y="0"/>
-          <a:ext cx="0" cy="0"/>
-          <a:chOff x="0" y="0"/>
-          <a:chExt cx="0" cy="0"/>
-        </a:xfrm>
-      </p:grpSpPr>
-      <p:sp>
-        <p:nvSpPr>
-          <p:cNvPr id="2" name="文本占位符 1"/>
-          <p:cNvSpPr>
-            <a:spLocks noGrp="1"/>
-          </p:cNvSpPr>
-          <p:nvPr>
-            <p:ph type="body" idx="1"/>
-          </p:nvPr>
-        </p:nvSpPr>
-        <p:spPr/>
-        <p:txBody>
-          <a:bodyPr/>
-          <a:lstStyle/>
-          <a:p>
-            <a:pPr marL="285750" indent="-285750">
-              <a:buFont typeface="Arial" panose="020B0604020202020204" pitchFamily="34" charset="0"/>
-              <a:buChar char="•"/>
-            </a:pPr>
-            <a:r>
-              <a:rPr lang="zh-CN" altLang="en-US" dirty="0"/>
-              <a:t>更新梯度下降算法</a:t>
-            </a:r>
-            <a:endParaRPr lang="en-US" altLang="zh-CN" dirty="0"/>
-          </a:p>
-          <a:p>
-            <a:pPr marL="285750" indent="-285750">
-              <a:buFont typeface="Arial" panose="020B0604020202020204" pitchFamily="34" charset="0"/>
-              <a:buChar char="•"/>
-            </a:pPr>
-            <a:endParaRPr lang="en-US" altLang="zh-CN" dirty="0"/>
-          </a:p>
-          <a:p>
-            <a:pPr marL="285750" indent="-285750">
-              <a:buFont typeface="Arial" panose="020B0604020202020204" pitchFamily="34" charset="0"/>
-              <a:buChar char="•"/>
-            </a:pPr>
-            <a:r>
-              <a:rPr lang="zh-CN" altLang="en-US" dirty="0"/>
-              <a:t>自学、展学</a:t>
-            </a:r>
-          </a:p>
-          <a:p>
-            <a:pPr marL="285750" indent="-285750">
-              <a:buFont typeface="Arial" panose="020B0604020202020204" pitchFamily="34" charset="0"/>
-              <a:buChar char="•"/>
-            </a:pPr>
-            <a:endParaRPr lang="en-US" altLang="zh-CN" dirty="0"/>
-          </a:p>
-          <a:p>
-            <a:pPr marL="285750" indent="-285750">
-              <a:buFont typeface="Arial" panose="020B0604020202020204" pitchFamily="34" charset="0"/>
-              <a:buChar char="•"/>
-            </a:pPr>
-            <a:endParaRPr lang="en-US" altLang="zh-CN" dirty="0"/>
-          </a:p>
-          <a:p>
-            <a:pPr marL="285750" indent="-285750">
-              <a:buFont typeface="Arial" panose="020B0604020202020204" pitchFamily="34" charset="0"/>
-              <a:buChar char="•"/>
-            </a:pPr>
-            <a:endParaRPr lang="en-US" altLang="zh-CN" dirty="0"/>
-          </a:p>
-        </p:txBody>
-      </p:sp>
-      <p:sp>
-        <p:nvSpPr>
-          <p:cNvPr id="3" name="标题 2"/>
-          <p:cNvSpPr>
-            <a:spLocks noGrp="1"/>
-          </p:cNvSpPr>
-          <p:nvPr>
-            <p:ph type="title"/>
-          </p:nvPr>
-        </p:nvSpPr>
-        <p:spPr/>
-        <p:txBody>
-          <a:bodyPr/>
-          <a:lstStyle/>
-          <a:p>
-            <a:r>
-              <a:rPr lang="zh-CN" altLang="en-US" dirty="0">
-                <a:sym typeface="+mn-ea"/>
-              </a:rPr>
-              <a:t>主问题：如何推导</a:t>
-            </a:r>
-            <a:r>
-              <a:rPr lang="zh-CN" altLang="en-US" dirty="0"/>
-              <a:t>全连接层的后向传播？</a:t>
-            </a:r>
-          </a:p>
-        </p:txBody>
-      </p:sp>
-    </p:spTree>
-    <p:custDataLst>
-      <p:tags r:id="rId1"/>
-    </p:custDataLst>
-    <p:extLst>
-      <p:ext uri="{BB962C8B-B14F-4D97-AF65-F5344CB8AC3E}">
         <p14:creationId xmlns:p14="http://schemas.microsoft.com/office/powerpoint/2010/main" val="2915200876"/>
       </p:ext>
     </p:extLst>
@@ -8048,7 +7637,7 @@
 </p:sld>
 </file>
 
-<file path=ppt/slides/slide17.xml><?xml version="1.0" encoding="utf-8"?>
+<file path=ppt/slides/slide16.xml><?xml version="1.0" encoding="utf-8"?>
 <p:sld xmlns:a="http://schemas.openxmlformats.org/drawingml/2006/main" xmlns:r="http://schemas.openxmlformats.org/officeDocument/2006/relationships" xmlns:p="http://schemas.openxmlformats.org/presentationml/2006/main">
   <p:cSld>
     <p:spTree>
@@ -8253,7 +7842,7 @@
 </p:sld>
 </file>
 
-<file path=ppt/slides/slide18.xml><?xml version="1.0" encoding="utf-8"?>
+<file path=ppt/slides/slide17.xml><?xml version="1.0" encoding="utf-8"?>
 <p:sld xmlns:a="http://schemas.openxmlformats.org/drawingml/2006/main" xmlns:r="http://schemas.openxmlformats.org/officeDocument/2006/relationships" xmlns:p="http://schemas.openxmlformats.org/presentationml/2006/main">
   <p:cSld>
     <p:spTree>
@@ -8608,7 +8197,7 @@
 </p:sld>
 </file>
 
-<file path=ppt/slides/slide19.xml><?xml version="1.0" encoding="utf-8"?>
+<file path=ppt/slides/slide18.xml><?xml version="1.0" encoding="utf-8"?>
 <p:sld xmlns:a="http://schemas.openxmlformats.org/drawingml/2006/main" xmlns:r="http://schemas.openxmlformats.org/officeDocument/2006/relationships" xmlns:p="http://schemas.openxmlformats.org/presentationml/2006/main">
   <p:cSld>
     <p:spTree>
@@ -8677,69 +8266,7 @@
 </p:sld>
 </file>
 
-<file path=ppt/slides/slide2.xml><?xml version="1.0" encoding="utf-8"?>
-<p:sld xmlns:a="http://schemas.openxmlformats.org/drawingml/2006/main" xmlns:r="http://schemas.openxmlformats.org/officeDocument/2006/relationships" xmlns:p="http://schemas.openxmlformats.org/presentationml/2006/main">
-  <p:cSld>
-    <p:spTree>
-      <p:nvGrpSpPr>
-        <p:cNvPr id="1" name=""/>
-        <p:cNvGrpSpPr/>
-        <p:nvPr/>
-      </p:nvGrpSpPr>
-      <p:grpSpPr>
-        <a:xfrm>
-          <a:off x="0" y="0"/>
-          <a:ext cx="0" cy="0"/>
-          <a:chOff x="0" y="0"/>
-          <a:chExt cx="0" cy="0"/>
-        </a:xfrm>
-      </p:grpSpPr>
-      <p:sp>
-        <p:nvSpPr>
-          <p:cNvPr id="2" name="标题 1"/>
-          <p:cNvSpPr>
-            <a:spLocks noGrp="1"/>
-          </p:cNvSpPr>
-          <p:nvPr>
-            <p:ph type="title"/>
-          </p:nvPr>
-        </p:nvSpPr>
-        <p:spPr>
-          <a:xfrm>
-            <a:off x="669882" y="2108221"/>
-            <a:ext cx="10852237" cy="899167"/>
-          </a:xfrm>
-        </p:spPr>
-        <p:txBody>
-          <a:bodyPr/>
-          <a:lstStyle/>
-          <a:p>
-            <a:r>
-              <a:rPr lang="zh-CN" altLang="en-US" dirty="0"/>
-              <a:t>第三节课：</a:t>
-            </a:r>
-            <a:br>
-              <a:rPr lang="en-US" altLang="zh-CN" dirty="0"/>
-            </a:br>
-            <a:r>
-              <a:rPr lang="zh-CN" altLang="en-US" dirty="0"/>
-              <a:t>全连接层的前向和后向传播推导（下）</a:t>
-            </a:r>
-          </a:p>
-        </p:txBody>
-      </p:sp>
-    </p:spTree>
-    <p:custDataLst>
-      <p:tags r:id="rId1"/>
-    </p:custDataLst>
-  </p:cSld>
-  <p:clrMapOvr>
-    <a:masterClrMapping/>
-  </p:clrMapOvr>
-</p:sld>
-</file>
-
-<file path=ppt/slides/slide20.xml><?xml version="1.0" encoding="utf-8"?>
+<file path=ppt/slides/slide19.xml><?xml version="1.0" encoding="utf-8"?>
 <p:sld xmlns:a="http://schemas.openxmlformats.org/drawingml/2006/main" xmlns:r="http://schemas.openxmlformats.org/officeDocument/2006/relationships" xmlns:p="http://schemas.openxmlformats.org/presentationml/2006/main">
   <p:cSld>
     <p:spTree>
@@ -9059,7 +8586,69 @@
 </p:sld>
 </file>
 
-<file path=ppt/slides/slide21.xml><?xml version="1.0" encoding="utf-8"?>
+<file path=ppt/slides/slide2.xml><?xml version="1.0" encoding="utf-8"?>
+<p:sld xmlns:a="http://schemas.openxmlformats.org/drawingml/2006/main" xmlns:r="http://schemas.openxmlformats.org/officeDocument/2006/relationships" xmlns:p="http://schemas.openxmlformats.org/presentationml/2006/main">
+  <p:cSld>
+    <p:spTree>
+      <p:nvGrpSpPr>
+        <p:cNvPr id="1" name=""/>
+        <p:cNvGrpSpPr/>
+        <p:nvPr/>
+      </p:nvGrpSpPr>
+      <p:grpSpPr>
+        <a:xfrm>
+          <a:off x="0" y="0"/>
+          <a:ext cx="0" cy="0"/>
+          <a:chOff x="0" y="0"/>
+          <a:chExt cx="0" cy="0"/>
+        </a:xfrm>
+      </p:grpSpPr>
+      <p:sp>
+        <p:nvSpPr>
+          <p:cNvPr id="2" name="标题 1"/>
+          <p:cNvSpPr>
+            <a:spLocks noGrp="1"/>
+          </p:cNvSpPr>
+          <p:nvPr>
+            <p:ph type="title"/>
+          </p:nvPr>
+        </p:nvSpPr>
+        <p:spPr>
+          <a:xfrm>
+            <a:off x="669882" y="2108221"/>
+            <a:ext cx="10852237" cy="899167"/>
+          </a:xfrm>
+        </p:spPr>
+        <p:txBody>
+          <a:bodyPr/>
+          <a:lstStyle/>
+          <a:p>
+            <a:r>
+              <a:rPr lang="zh-CN" altLang="en-US" dirty="0"/>
+              <a:t>第三节课：</a:t>
+            </a:r>
+            <a:br>
+              <a:rPr lang="en-US" altLang="zh-CN" dirty="0"/>
+            </a:br>
+            <a:r>
+              <a:rPr lang="zh-CN" altLang="en-US" dirty="0"/>
+              <a:t>全连接层的前向和后向传播推导（下）</a:t>
+            </a:r>
+          </a:p>
+        </p:txBody>
+      </p:sp>
+    </p:spTree>
+    <p:custDataLst>
+      <p:tags r:id="rId1"/>
+    </p:custDataLst>
+  </p:cSld>
+  <p:clrMapOvr>
+    <a:masterClrMapping/>
+  </p:clrMapOvr>
+</p:sld>
+</file>
+
+<file path=ppt/slides/slide20.xml><?xml version="1.0" encoding="utf-8"?>
 <p:sld xmlns:a="http://schemas.openxmlformats.org/drawingml/2006/main" xmlns:r="http://schemas.openxmlformats.org/officeDocument/2006/relationships" xmlns:p="http://schemas.openxmlformats.org/presentationml/2006/main">
   <p:cSld>
     <p:spTree>
@@ -9109,7 +8698,7 @@
 </p:sld>
 </file>
 
-<file path=ppt/slides/slide22.xml><?xml version="1.0" encoding="utf-8"?>
+<file path=ppt/slides/slide21.xml><?xml version="1.0" encoding="utf-8"?>
 <p:sld xmlns:a="http://schemas.openxmlformats.org/drawingml/2006/main" xmlns:r="http://schemas.openxmlformats.org/officeDocument/2006/relationships" xmlns:p="http://schemas.openxmlformats.org/presentationml/2006/main">
   <p:cSld>
     <p:spTree>
@@ -9275,7 +8864,7 @@
 </p:sld>
 </file>
 
-<file path=ppt/slides/slide23.xml><?xml version="1.0" encoding="utf-8"?>
+<file path=ppt/slides/slide22.xml><?xml version="1.0" encoding="utf-8"?>
 <p:sld xmlns:a="http://schemas.openxmlformats.org/drawingml/2006/main" xmlns:r="http://schemas.openxmlformats.org/officeDocument/2006/relationships" xmlns:p="http://schemas.openxmlformats.org/presentationml/2006/main">
   <p:cSld>
     <p:spTree>
@@ -9410,7 +8999,7 @@
 </p:sld>
 </file>
 
-<file path=ppt/slides/slide24.xml><?xml version="1.0" encoding="utf-8"?>
+<file path=ppt/slides/slide23.xml><?xml version="1.0" encoding="utf-8"?>
 <p:sld xmlns:a="http://schemas.openxmlformats.org/drawingml/2006/main" xmlns:r="http://schemas.openxmlformats.org/officeDocument/2006/relationships" xmlns:p="http://schemas.openxmlformats.org/presentationml/2006/main">
   <p:cSld>
     <p:spTree>
@@ -9505,7 +9094,7 @@
 </p:sld>
 </file>
 
-<file path=ppt/slides/slide25.xml><?xml version="1.0" encoding="utf-8"?>
+<file path=ppt/slides/slide24.xml><?xml version="1.0" encoding="utf-8"?>
 <p:sld xmlns:a="http://schemas.openxmlformats.org/drawingml/2006/main" xmlns:r="http://schemas.openxmlformats.org/officeDocument/2006/relationships" xmlns:p="http://schemas.openxmlformats.org/presentationml/2006/main">
   <p:cSld>
     <p:spTree>
@@ -9533,7 +9122,7 @@
 </p:sld>
 </file>
 
-<file path=ppt/slides/slide26.xml><?xml version="1.0" encoding="utf-8"?>
+<file path=ppt/slides/slide25.xml><?xml version="1.0" encoding="utf-8"?>
 <p:sld xmlns:a="http://schemas.openxmlformats.org/drawingml/2006/main" xmlns:r="http://schemas.openxmlformats.org/officeDocument/2006/relationships" xmlns:p="http://schemas.openxmlformats.org/presentationml/2006/main">
   <p:cSld>
     <p:spTree>
@@ -9606,7 +9195,7 @@
 </p:sld>
 </file>
 
-<file path=ppt/slides/slide27.xml><?xml version="1.0" encoding="utf-8"?>
+<file path=ppt/slides/slide26.xml><?xml version="1.0" encoding="utf-8"?>
 <p:sld xmlns:a="http://schemas.openxmlformats.org/drawingml/2006/main" xmlns:r="http://schemas.openxmlformats.org/officeDocument/2006/relationships" xmlns:p="http://schemas.openxmlformats.org/presentationml/2006/main">
   <p:cSld>
     <p:spTree>
@@ -10368,15 +9957,15 @@
       </p:sp>
       <p:pic>
         <p:nvPicPr>
-          <p:cNvPr id="2050" name="Picture 2" descr="image">
+          <p:cNvPr id="6" name="图片 5">
             <a:extLst>
               <a:ext uri="{FF2B5EF4-FFF2-40B4-BE49-F238E27FC236}">
-                <a16:creationId xmlns:a16="http://schemas.microsoft.com/office/drawing/2014/main" id="{88F31673-E9D9-94F6-9A34-0680CEF80351}"/>
+                <a16:creationId xmlns:a16="http://schemas.microsoft.com/office/drawing/2014/main" id="{B4090429-DAF7-CE35-42C0-AACB419F6D29}"/>
               </a:ext>
             </a:extLst>
           </p:cNvPr>
           <p:cNvPicPr>
-            <a:picLocks noChangeAspect="1" noChangeArrowheads="1"/>
+            <a:picLocks noChangeAspect="1"/>
           </p:cNvPicPr>
           <p:nvPr/>
         </p:nvPicPr>
@@ -10388,37 +9977,26 @@
               </a:ext>
             </a:extLst>
           </a:blip>
-          <a:srcRect/>
           <a:stretch>
             <a:fillRect/>
           </a:stretch>
         </p:blipFill>
-        <p:spPr bwMode="auto">
+        <p:spPr>
           <a:xfrm>
-            <a:off x="6370655" y="2832037"/>
-            <a:ext cx="5034852" cy="3256026"/>
+            <a:off x="1477106" y="3519436"/>
+            <a:ext cx="4454857" cy="1539420"/>
           </a:xfrm>
           <a:prstGeom prst="rect">
             <a:avLst/>
           </a:prstGeom>
-          <a:noFill/>
-          <a:extLst>
-            <a:ext uri="{909E8E84-426E-40DD-AFC4-6F175D3DCCD1}">
-              <a14:hiddenFill xmlns:a14="http://schemas.microsoft.com/office/drawing/2010/main">
-                <a:solidFill>
-                  <a:srgbClr val="FFFFFF"/>
-                </a:solidFill>
-              </a14:hiddenFill>
-            </a:ext>
-          </a:extLst>
         </p:spPr>
       </p:pic>
       <p:pic>
         <p:nvPicPr>
-          <p:cNvPr id="6" name="图片 5">
+          <p:cNvPr id="5" name="图片 4">
             <a:extLst>
               <a:ext uri="{FF2B5EF4-FFF2-40B4-BE49-F238E27FC236}">
-                <a16:creationId xmlns:a16="http://schemas.microsoft.com/office/drawing/2014/main" id="{B4090429-DAF7-CE35-42C0-AACB419F6D29}"/>
+                <a16:creationId xmlns:a16="http://schemas.microsoft.com/office/drawing/2014/main" id="{1175D0A6-1BB7-4644-D87E-7882F2D2977C}"/>
               </a:ext>
             </a:extLst>
           </p:cNvPr>
@@ -10441,8 +10019,8 @@
         </p:blipFill>
         <p:spPr>
           <a:xfrm>
-            <a:off x="1477106" y="3519436"/>
-            <a:ext cx="4454857" cy="1539420"/>
+            <a:off x="7394575" y="1622146"/>
+            <a:ext cx="4127500" cy="2667000"/>
           </a:xfrm>
           <a:prstGeom prst="rect">
             <a:avLst/>
@@ -10462,85 +10040,6 @@
   <p:clrMapOvr>
     <a:masterClrMapping/>
   </p:clrMapOvr>
-  <p:timing>
-    <p:tnLst>
-      <p:par>
-        <p:cTn id="1" dur="indefinite" restart="never" nodeType="tmRoot">
-          <p:childTnLst>
-            <p:seq concurrent="1" nextAc="seek">
-              <p:cTn id="2" dur="indefinite" nodeType="mainSeq">
-                <p:childTnLst>
-                  <p:par>
-                    <p:cTn id="3" fill="hold">
-                      <p:stCondLst>
-                        <p:cond delay="indefinite"/>
-                      </p:stCondLst>
-                      <p:childTnLst>
-                        <p:par>
-                          <p:cTn id="4" fill="hold">
-                            <p:stCondLst>
-                              <p:cond delay="0"/>
-                            </p:stCondLst>
-                            <p:childTnLst>
-                              <p:par>
-                                <p:cTn id="5" presetID="1" presetClass="entr" presetSubtype="0" fill="hold" nodeType="clickEffect">
-                                  <p:stCondLst>
-                                    <p:cond delay="0"/>
-                                  </p:stCondLst>
-                                  <p:childTnLst>
-                                    <p:set>
-                                      <p:cBhvr>
-                                        <p:cTn id="6" dur="1" fill="hold">
-                                          <p:stCondLst>
-                                            <p:cond delay="0"/>
-                                          </p:stCondLst>
-                                        </p:cTn>
-                                        <p:tgtEl>
-                                          <p:spTgt spid="2">
-                                            <p:txEl>
-                                              <p:pRg st="0" end="0"/>
-                                            </p:txEl>
-                                          </p:spTgt>
-                                        </p:tgtEl>
-                                        <p:attrNameLst>
-                                          <p:attrName>style.visibility</p:attrName>
-                                        </p:attrNameLst>
-                                      </p:cBhvr>
-                                      <p:to>
-                                        <p:strVal val="visible"/>
-                                      </p:to>
-                                    </p:set>
-                                  </p:childTnLst>
-                                </p:cTn>
-                              </p:par>
-                            </p:childTnLst>
-                          </p:cTn>
-                        </p:par>
-                      </p:childTnLst>
-                    </p:cTn>
-                  </p:par>
-                </p:childTnLst>
-              </p:cTn>
-              <p:prevCondLst>
-                <p:cond evt="onPrev" delay="0">
-                  <p:tgtEl>
-                    <p:sldTgt/>
-                  </p:tgtEl>
-                </p:cond>
-              </p:prevCondLst>
-              <p:nextCondLst>
-                <p:cond evt="onNext" delay="0">
-                  <p:tgtEl>
-                    <p:sldTgt/>
-                  </p:tgtEl>
-                </p:cond>
-              </p:nextCondLst>
-            </p:seq>
-          </p:childTnLst>
-        </p:cTn>
-      </p:par>
-    </p:tnLst>
-  </p:timing>
 </p:sld>
 </file>
 
@@ -10666,10 +10165,10 @@
                           </m:e>
                           <m:sub>
                             <m:r>
-                              <a:rPr lang="en-US" altLang="zh-CN" i="1">
+                              <a:rPr lang="en-US" altLang="zh-CN" b="0" i="1" smtClean="0">
                                 <a:latin typeface="Cambria Math" panose="02040503050406030204" pitchFamily="18" charset="0"/>
                               </a:rPr>
-                              <m:t>35</m:t>
+                              <m:t>53</m:t>
                             </m:r>
                           </m:sub>
                         </m:sSub>
@@ -10771,15 +10270,15 @@
       </p:sp>
       <p:pic>
         <p:nvPicPr>
-          <p:cNvPr id="2050" name="Picture 2" descr="image">
+          <p:cNvPr id="4" name="图片 3">
             <a:extLst>
               <a:ext uri="{FF2B5EF4-FFF2-40B4-BE49-F238E27FC236}">
-                <a16:creationId xmlns:a16="http://schemas.microsoft.com/office/drawing/2014/main" id="{88F31673-E9D9-94F6-9A34-0680CEF80351}"/>
+                <a16:creationId xmlns:a16="http://schemas.microsoft.com/office/drawing/2014/main" id="{4F2CF702-3D88-1B97-92E6-52F661B08A83}"/>
               </a:ext>
             </a:extLst>
           </p:cNvPr>
           <p:cNvPicPr>
-            <a:picLocks noChangeAspect="1" noChangeArrowheads="1"/>
+            <a:picLocks noChangeAspect="1"/>
           </p:cNvPicPr>
           <p:nvPr/>
         </p:nvPicPr>
@@ -10791,37 +10290,26 @@
               </a:ext>
             </a:extLst>
           </a:blip>
-          <a:srcRect/>
           <a:stretch>
             <a:fillRect/>
           </a:stretch>
         </p:blipFill>
-        <p:spPr bwMode="auto">
+        <p:spPr>
           <a:xfrm>
-            <a:off x="6561574" y="1626235"/>
-            <a:ext cx="5034852" cy="3256026"/>
+            <a:off x="7394575" y="1622146"/>
+            <a:ext cx="4127500" cy="2667000"/>
           </a:xfrm>
           <a:prstGeom prst="rect">
             <a:avLst/>
           </a:prstGeom>
-          <a:noFill/>
-          <a:extLst>
-            <a:ext uri="{909E8E84-426E-40DD-AFC4-6F175D3DCCD1}">
-              <a14:hiddenFill xmlns:a14="http://schemas.microsoft.com/office/drawing/2010/main">
-                <a:solidFill>
-                  <a:srgbClr val="FFFFFF"/>
-                </a:solidFill>
-              </a14:hiddenFill>
-            </a:ext>
-          </a:extLst>
         </p:spPr>
       </p:pic>
       <p:pic>
         <p:nvPicPr>
-          <p:cNvPr id="7" name="图片 6">
+          <p:cNvPr id="9" name="图片 8">
             <a:extLst>
               <a:ext uri="{FF2B5EF4-FFF2-40B4-BE49-F238E27FC236}">
-                <a16:creationId xmlns:a16="http://schemas.microsoft.com/office/drawing/2014/main" id="{173E9DAE-9B29-C03A-7316-09F2B21CCDA9}"/>
+                <a16:creationId xmlns:a16="http://schemas.microsoft.com/office/drawing/2014/main" id="{23659D77-FE6B-E6E8-B8A5-C511174B47EC}"/>
               </a:ext>
             </a:extLst>
           </p:cNvPr>
@@ -10844,8 +10332,8 @@
         </p:blipFill>
         <p:spPr>
           <a:xfrm>
-            <a:off x="2190540" y="3710354"/>
-            <a:ext cx="4210853" cy="2625897"/>
+            <a:off x="2386121" y="3429000"/>
+            <a:ext cx="4822610" cy="2764553"/>
           </a:xfrm>
           <a:prstGeom prst="rect">
             <a:avLst/>
@@ -11020,6 +10508,104 @@
                       </p:childTnLst>
                     </p:cTn>
                   </p:par>
+                  <p:par>
+                    <p:cTn id="15" fill="hold">
+                      <p:stCondLst>
+                        <p:cond delay="indefinite"/>
+                      </p:stCondLst>
+                      <p:childTnLst>
+                        <p:par>
+                          <p:cTn id="16" fill="hold">
+                            <p:stCondLst>
+                              <p:cond delay="0"/>
+                            </p:stCondLst>
+                            <p:childTnLst>
+                              <p:par>
+                                <p:cTn id="17" presetID="1" presetClass="entr" presetSubtype="0" fill="hold" nodeType="clickEffect">
+                                  <p:stCondLst>
+                                    <p:cond delay="0"/>
+                                  </p:stCondLst>
+                                  <p:childTnLst>
+                                    <p:set>
+                                      <p:cBhvr>
+                                        <p:cTn id="18" dur="1" fill="hold">
+                                          <p:stCondLst>
+                                            <p:cond delay="0"/>
+                                          </p:stCondLst>
+                                        </p:cTn>
+                                        <p:tgtEl>
+                                          <p:spTgt spid="2">
+                                            <p:txEl>
+                                              <p:pRg st="3" end="3"/>
+                                            </p:txEl>
+                                          </p:spTgt>
+                                        </p:tgtEl>
+                                        <p:attrNameLst>
+                                          <p:attrName>style.visibility</p:attrName>
+                                        </p:attrNameLst>
+                                      </p:cBhvr>
+                                      <p:to>
+                                        <p:strVal val="visible"/>
+                                      </p:to>
+                                    </p:set>
+                                  </p:childTnLst>
+                                </p:cTn>
+                              </p:par>
+                            </p:childTnLst>
+                          </p:cTn>
+                        </p:par>
+                      </p:childTnLst>
+                    </p:cTn>
+                  </p:par>
+                  <p:par>
+                    <p:cTn id="19" fill="hold">
+                      <p:stCondLst>
+                        <p:cond delay="indefinite"/>
+                      </p:stCondLst>
+                      <p:childTnLst>
+                        <p:par>
+                          <p:cTn id="20" fill="hold">
+                            <p:stCondLst>
+                              <p:cond delay="0"/>
+                            </p:stCondLst>
+                            <p:childTnLst>
+                              <p:par>
+                                <p:cTn id="21" presetID="1" presetClass="entr" presetSubtype="0" fill="hold" nodeType="clickEffect">
+                                  <p:stCondLst>
+                                    <p:cond delay="0"/>
+                                  </p:stCondLst>
+                                  <p:childTnLst>
+                                    <p:set>
+                                      <p:cBhvr>
+                                        <p:cTn id="22" dur="1" fill="hold">
+                                          <p:stCondLst>
+                                            <p:cond delay="0"/>
+                                          </p:stCondLst>
+                                        </p:cTn>
+                                        <p:tgtEl>
+                                          <p:spTgt spid="2">
+                                            <p:txEl>
+                                              <p:pRg st="4" end="4"/>
+                                            </p:txEl>
+                                          </p:spTgt>
+                                        </p:tgtEl>
+                                        <p:attrNameLst>
+                                          <p:attrName>style.visibility</p:attrName>
+                                        </p:attrNameLst>
+                                      </p:cBhvr>
+                                      <p:to>
+                                        <p:strVal val="visible"/>
+                                      </p:to>
+                                    </p:set>
+                                  </p:childTnLst>
+                                </p:cTn>
+                              </p:par>
+                            </p:childTnLst>
+                          </p:cTn>
+                        </p:par>
+                      </p:childTnLst>
+                    </p:cTn>
+                  </p:par>
                 </p:childTnLst>
               </p:cTn>
               <p:prevCondLst>
@@ -11167,10 +10753,10 @@
                           </m:e>
                           <m:sub>
                             <m:r>
-                              <a:rPr lang="en-US" altLang="zh-CN" i="1">
+                              <a:rPr lang="en-US" altLang="zh-CN" b="0" i="1" smtClean="0">
                                 <a:latin typeface="Cambria Math" panose="02040503050406030204" pitchFamily="18" charset="0"/>
                               </a:rPr>
-                              <m:t>13</m:t>
+                              <m:t>31</m:t>
                             </m:r>
                           </m:sub>
                         </m:sSub>
@@ -11273,15 +10859,15 @@
       </p:sp>
       <p:pic>
         <p:nvPicPr>
-          <p:cNvPr id="2050" name="Picture 2" descr="image">
+          <p:cNvPr id="4" name="图片 3">
             <a:extLst>
               <a:ext uri="{FF2B5EF4-FFF2-40B4-BE49-F238E27FC236}">
-                <a16:creationId xmlns:a16="http://schemas.microsoft.com/office/drawing/2014/main" id="{88F31673-E9D9-94F6-9A34-0680CEF80351}"/>
+                <a16:creationId xmlns:a16="http://schemas.microsoft.com/office/drawing/2014/main" id="{1A07B951-8A8D-8A64-B9AB-6647924B3781}"/>
               </a:ext>
             </a:extLst>
           </p:cNvPr>
           <p:cNvPicPr>
-            <a:picLocks noChangeAspect="1" noChangeArrowheads="1"/>
+            <a:picLocks noChangeAspect="1"/>
           </p:cNvPicPr>
           <p:nvPr/>
         </p:nvPicPr>
@@ -11293,37 +10879,26 @@
               </a:ext>
             </a:extLst>
           </a:blip>
-          <a:srcRect/>
           <a:stretch>
             <a:fillRect/>
           </a:stretch>
         </p:blipFill>
-        <p:spPr bwMode="auto">
+        <p:spPr>
           <a:xfrm>
-            <a:off x="6561574" y="1626235"/>
-            <a:ext cx="5034852" cy="3256026"/>
+            <a:off x="7394575" y="1622146"/>
+            <a:ext cx="4127500" cy="2667000"/>
           </a:xfrm>
           <a:prstGeom prst="rect">
             <a:avLst/>
           </a:prstGeom>
-          <a:noFill/>
-          <a:extLst>
-            <a:ext uri="{909E8E84-426E-40DD-AFC4-6F175D3DCCD1}">
-              <a14:hiddenFill xmlns:a14="http://schemas.microsoft.com/office/drawing/2010/main">
-                <a:solidFill>
-                  <a:srgbClr val="FFFFFF"/>
-                </a:solidFill>
-              </a14:hiddenFill>
-            </a:ext>
-          </a:extLst>
         </p:spPr>
       </p:pic>
       <p:pic>
         <p:nvPicPr>
-          <p:cNvPr id="6" name="图片 5">
+          <p:cNvPr id="10" name="图片 9">
             <a:extLst>
               <a:ext uri="{FF2B5EF4-FFF2-40B4-BE49-F238E27FC236}">
-                <a16:creationId xmlns:a16="http://schemas.microsoft.com/office/drawing/2014/main" id="{07106344-3AE9-DCAD-6A49-DF188FF9955B}"/>
+                <a16:creationId xmlns:a16="http://schemas.microsoft.com/office/drawing/2014/main" id="{F3B69C87-E722-C44A-82B7-6F0D0D4D9F16}"/>
               </a:ext>
             </a:extLst>
           </p:cNvPr>
@@ -11346,8 +10921,8 @@
         </p:blipFill>
         <p:spPr>
           <a:xfrm>
-            <a:off x="1225899" y="4049035"/>
-            <a:ext cx="5172667" cy="1666451"/>
+            <a:off x="1155560" y="3903027"/>
+            <a:ext cx="5078954" cy="974293"/>
           </a:xfrm>
           <a:prstGeom prst="rect">
             <a:avLst/>
@@ -11502,6 +11077,104 @@
                                           <p:spTgt spid="2">
                                             <p:txEl>
                                               <p:pRg st="2" end="2"/>
+                                            </p:txEl>
+                                          </p:spTgt>
+                                        </p:tgtEl>
+                                        <p:attrNameLst>
+                                          <p:attrName>style.visibility</p:attrName>
+                                        </p:attrNameLst>
+                                      </p:cBhvr>
+                                      <p:to>
+                                        <p:strVal val="visible"/>
+                                      </p:to>
+                                    </p:set>
+                                  </p:childTnLst>
+                                </p:cTn>
+                              </p:par>
+                            </p:childTnLst>
+                          </p:cTn>
+                        </p:par>
+                      </p:childTnLst>
+                    </p:cTn>
+                  </p:par>
+                  <p:par>
+                    <p:cTn id="15" fill="hold">
+                      <p:stCondLst>
+                        <p:cond delay="indefinite"/>
+                      </p:stCondLst>
+                      <p:childTnLst>
+                        <p:par>
+                          <p:cTn id="16" fill="hold">
+                            <p:stCondLst>
+                              <p:cond delay="0"/>
+                            </p:stCondLst>
+                            <p:childTnLst>
+                              <p:par>
+                                <p:cTn id="17" presetID="1" presetClass="entr" presetSubtype="0" fill="hold" nodeType="clickEffect">
+                                  <p:stCondLst>
+                                    <p:cond delay="0"/>
+                                  </p:stCondLst>
+                                  <p:childTnLst>
+                                    <p:set>
+                                      <p:cBhvr>
+                                        <p:cTn id="18" dur="1" fill="hold">
+                                          <p:stCondLst>
+                                            <p:cond delay="0"/>
+                                          </p:stCondLst>
+                                        </p:cTn>
+                                        <p:tgtEl>
+                                          <p:spTgt spid="2">
+                                            <p:txEl>
+                                              <p:pRg st="3" end="3"/>
+                                            </p:txEl>
+                                          </p:spTgt>
+                                        </p:tgtEl>
+                                        <p:attrNameLst>
+                                          <p:attrName>style.visibility</p:attrName>
+                                        </p:attrNameLst>
+                                      </p:cBhvr>
+                                      <p:to>
+                                        <p:strVal val="visible"/>
+                                      </p:to>
+                                    </p:set>
+                                  </p:childTnLst>
+                                </p:cTn>
+                              </p:par>
+                            </p:childTnLst>
+                          </p:cTn>
+                        </p:par>
+                      </p:childTnLst>
+                    </p:cTn>
+                  </p:par>
+                  <p:par>
+                    <p:cTn id="19" fill="hold">
+                      <p:stCondLst>
+                        <p:cond delay="indefinite"/>
+                      </p:stCondLst>
+                      <p:childTnLst>
+                        <p:par>
+                          <p:cTn id="20" fill="hold">
+                            <p:stCondLst>
+                              <p:cond delay="0"/>
+                            </p:stCondLst>
+                            <p:childTnLst>
+                              <p:par>
+                                <p:cTn id="21" presetID="1" presetClass="entr" presetSubtype="0" fill="hold" nodeType="clickEffect">
+                                  <p:stCondLst>
+                                    <p:cond delay="0"/>
+                                  </p:stCondLst>
+                                  <p:childTnLst>
+                                    <p:set>
+                                      <p:cBhvr>
+                                        <p:cTn id="22" dur="1" fill="hold">
+                                          <p:stCondLst>
+                                            <p:cond delay="0"/>
+                                          </p:stCondLst>
+                                        </p:cTn>
+                                        <p:tgtEl>
+                                          <p:spTgt spid="2">
+                                            <p:txEl>
+                                              <p:pRg st="4" end="4"/>
                                             </p:txEl>
                                           </p:spTgt>
                                         </p:tgtEl>
@@ -12078,15 +11751,15 @@
       </p:sp>
       <p:pic>
         <p:nvPicPr>
-          <p:cNvPr id="7" name="Picture 2" descr="image">
+          <p:cNvPr id="4" name="图片 3">
             <a:extLst>
               <a:ext uri="{FF2B5EF4-FFF2-40B4-BE49-F238E27FC236}">
-                <a16:creationId xmlns:a16="http://schemas.microsoft.com/office/drawing/2014/main" id="{FBCD1E73-2A5B-7A36-ED04-5224C17240ED}"/>
+                <a16:creationId xmlns:a16="http://schemas.microsoft.com/office/drawing/2014/main" id="{A935C97E-7EB8-9B96-BB20-5B44DF40EA98}"/>
               </a:ext>
             </a:extLst>
           </p:cNvPr>
           <p:cNvPicPr>
-            <a:picLocks noChangeAspect="1" noChangeArrowheads="1"/>
+            <a:picLocks noChangeAspect="1"/>
           </p:cNvPicPr>
           <p:nvPr/>
         </p:nvPicPr>
@@ -12098,29 +11771,18 @@
               </a:ext>
             </a:extLst>
           </a:blip>
-          <a:srcRect/>
           <a:stretch>
             <a:fillRect/>
           </a:stretch>
         </p:blipFill>
-        <p:spPr bwMode="auto">
+        <p:spPr>
           <a:xfrm>
-            <a:off x="6639623" y="2560732"/>
-            <a:ext cx="5034852" cy="3256026"/>
+            <a:off x="7242175" y="2569527"/>
+            <a:ext cx="4127500" cy="2667000"/>
           </a:xfrm>
           <a:prstGeom prst="rect">
             <a:avLst/>
           </a:prstGeom>
-          <a:noFill/>
-          <a:extLst>
-            <a:ext uri="{909E8E84-426E-40DD-AFC4-6F175D3DCCD1}">
-              <a14:hiddenFill xmlns:a14="http://schemas.microsoft.com/office/drawing/2010/main">
-                <a:solidFill>
-                  <a:srgbClr val="FFFFFF"/>
-                </a:solidFill>
-              </a14:hiddenFill>
-            </a:ext>
-          </a:extLst>
         </p:spPr>
       </p:pic>
     </p:spTree>
@@ -13351,15 +13013,6 @@
 </file>
 
 <file path=ppt/tags/tag95.xml><?xml version="1.0" encoding="utf-8"?>
-<p:tagLst xmlns:a="http://schemas.openxmlformats.org/drawingml/2006/main" xmlns:r="http://schemas.openxmlformats.org/officeDocument/2006/relationships" xmlns:p="http://schemas.openxmlformats.org/presentationml/2006/main">
-  <p:tag name="KSO_WM_BEAUTIFY_FLAG" val="#wm#"/>
-  <p:tag name="KSO_WM_TEMPLATE_CATEGORY" val="custom"/>
-  <p:tag name="KSO_WM_TEMPLATE_INDEX" val="20187308"/>
-  <p:tag name="KSO_WM_SPECIAL_SOURCE" val="bdnull"/>
-</p:tagLst>
-</file>
-
-<file path=ppt/tags/tag96.xml><?xml version="1.0" encoding="utf-8"?>
 <p:tagLst xmlns:a="http://schemas.openxmlformats.org/drawingml/2006/main" xmlns:r="http://schemas.openxmlformats.org/officeDocument/2006/relationships" xmlns:p="http://schemas.openxmlformats.org/presentationml/2006/main">
   <p:tag name="KSO_WM_BEAUTIFY_FLAG" val="#wm#"/>
   <p:tag name="KSO_WM_TEMPLATE_CATEGORY" val="custom"/>

--- a/lessons/3_derivation/ppt/全连接层的前向和后向传播推导（下）.pptx
+++ b/lessons/3_derivation/ppt/全连接层的前向和后向传播推导（下）.pptx
@@ -234,7 +234,7 @@
                 <a:latin typeface="微软雅黑" panose="020B0503020204020204" charset="-122"/>
                 <a:ea typeface="微软雅黑" panose="020B0503020204020204" charset="-122"/>
               </a:rPr>
-              <a:t>2022/10/30</a:t>
+              <a:t>2022/10/31</a:t>
             </a:fld>
             <a:endParaRPr lang="zh-CN" altLang="en-US">
               <a:latin typeface="微软雅黑" panose="020B0503020204020204" charset="-122"/>
@@ -417,7 +417,7 @@
           <a:p>
             <a:fld id="{1AC49D05-6128-4D0D-A32A-06A5E73B386C}" type="datetimeFigureOut">
               <a:rPr lang="zh-CN" altLang="en-US" smtClean="0"/>
-              <a:t>2022/10/30</a:t>
+              <a:t>2022/10/31</a:t>
             </a:fld>
             <a:endParaRPr lang="zh-CN" altLang="en-US"/>
           </a:p>
@@ -1079,7 +1079,7 @@
           <a:p>
             <a:fld id="{9EFD9D74-47D9-4702-A33C-335B63B48DBF}" type="datetimeFigureOut">
               <a:rPr lang="zh-CN" altLang="en-US" smtClean="0"/>
-              <a:t>2022/10/30</a:t>
+              <a:t>2022/10/31</a:t>
             </a:fld>
             <a:endParaRPr lang="zh-CN" altLang="en-US" dirty="0"/>
           </a:p>
@@ -1412,7 +1412,7 @@
           <a:p>
             <a:fld id="{760FBDFE-C587-4B4C-A407-44438C67B59E}" type="datetimeFigureOut">
               <a:rPr lang="zh-CN" altLang="en-US" smtClean="0"/>
-              <a:t>2022/10/30</a:t>
+              <a:t>2022/10/31</a:t>
             </a:fld>
             <a:endParaRPr lang="zh-CN" altLang="en-US"/>
           </a:p>
@@ -1585,7 +1585,7 @@
           <a:p>
             <a:fld id="{9EFD9D74-47D9-4702-A33C-335B63B48DBF}" type="datetimeFigureOut">
               <a:rPr lang="zh-CN" altLang="en-US" smtClean="0"/>
-              <a:t>2022/10/30</a:t>
+              <a:t>2022/10/31</a:t>
             </a:fld>
             <a:endParaRPr lang="zh-CN" altLang="en-US" dirty="0"/>
           </a:p>
@@ -2110,7 +2110,7 @@
           <a:p>
             <a:fld id="{760FBDFE-C587-4B4C-A407-44438C67B59E}" type="datetimeFigureOut">
               <a:rPr lang="zh-CN" altLang="en-US" smtClean="0"/>
-              <a:t>2022/10/30</a:t>
+              <a:t>2022/10/31</a:t>
             </a:fld>
             <a:endParaRPr lang="zh-CN" altLang="en-US"/>
           </a:p>
@@ -2858,7 +2858,7 @@
           <a:p>
             <a:fld id="{760FBDFE-C587-4B4C-A407-44438C67B59E}" type="datetimeFigureOut">
               <a:rPr lang="zh-CN" altLang="en-US" smtClean="0"/>
-              <a:t>2022/10/30</a:t>
+              <a:t>2022/10/31</a:t>
             </a:fld>
             <a:endParaRPr lang="zh-CN" altLang="en-US"/>
           </a:p>
@@ -3024,7 +3024,7 @@
           <a:p>
             <a:fld id="{760FBDFE-C587-4B4C-A407-44438C67B59E}" type="datetimeFigureOut">
               <a:rPr lang="zh-CN" altLang="en-US" smtClean="0"/>
-              <a:t>2022/10/30</a:t>
+              <a:t>2022/10/31</a:t>
             </a:fld>
             <a:endParaRPr lang="zh-CN" altLang="en-US"/>
           </a:p>
@@ -3138,7 +3138,7 @@
           <a:p>
             <a:fld id="{760FBDFE-C587-4B4C-A407-44438C67B59E}" type="datetimeFigureOut">
               <a:rPr lang="zh-CN" altLang="en-US" smtClean="0"/>
-              <a:t>2022/10/30</a:t>
+              <a:t>2022/10/31</a:t>
             </a:fld>
             <a:endParaRPr lang="zh-CN" altLang="en-US"/>
           </a:p>
@@ -3468,7 +3468,7 @@
           <a:p>
             <a:fld id="{9EFD9D74-47D9-4702-A33C-335B63B48DBF}" type="datetimeFigureOut">
               <a:rPr lang="zh-CN" altLang="en-US" smtClean="0"/>
-              <a:t>2022/10/30</a:t>
+              <a:t>2022/10/31</a:t>
             </a:fld>
             <a:endParaRPr lang="zh-CN" altLang="en-US" dirty="0"/>
           </a:p>
@@ -3981,7 +3981,7 @@
           <a:p>
             <a:fld id="{760FBDFE-C587-4B4C-A407-44438C67B59E}" type="datetimeFigureOut">
               <a:rPr lang="zh-CN" altLang="en-US" smtClean="0"/>
-              <a:t>2022/10/30</a:t>
+              <a:t>2022/10/31</a:t>
             </a:fld>
             <a:endParaRPr lang="zh-CN" altLang="en-US"/>
           </a:p>
@@ -4095,7 +4095,7 @@
           <a:p>
             <a:fld id="{760FBDFE-C587-4B4C-A407-44438C67B59E}" type="datetimeFigureOut">
               <a:rPr lang="zh-CN" altLang="en-US" smtClean="0"/>
-              <a:t>2022/10/30</a:t>
+              <a:t>2022/10/31</a:t>
             </a:fld>
             <a:endParaRPr lang="zh-CN" altLang="en-US"/>
           </a:p>
@@ -4383,7 +4383,7 @@
           <a:p>
             <a:fld id="{82F288E0-7875-42C4-84C8-98DBBD3BF4D2}" type="datetimeFigureOut">
               <a:rPr lang="zh-CN" altLang="en-US" smtClean="0"/>
-              <a:t>2022/10/30</a:t>
+              <a:t>2022/10/31</a:t>
             </a:fld>
             <a:endParaRPr lang="zh-CN" altLang="en-US"/>
           </a:p>
@@ -4842,7 +4842,7 @@
           <a:p>
             <a:fld id="{760FBDFE-C587-4B4C-A407-44438C67B59E}" type="datetimeFigureOut">
               <a:rPr lang="zh-CN" altLang="en-US" smtClean="0"/>
-              <a:t>2022/10/30</a:t>
+              <a:t>2022/10/31</a:t>
             </a:fld>
             <a:endParaRPr lang="zh-CN" altLang="en-US"/>
           </a:p>
@@ -5511,7 +5511,7 @@
           <a:p>
             <a:fld id="{9EFD9D74-47D9-4702-A33C-335B63B48DBF}" type="datetimeFigureOut">
               <a:rPr lang="zh-CN" altLang="en-US" smtClean="0"/>
-              <a:t>2022/10/30</a:t>
+              <a:t>2022/10/31</a:t>
             </a:fld>
             <a:endParaRPr lang="zh-CN" altLang="en-US" dirty="0"/>
           </a:p>
@@ -5659,7 +5659,7 @@
           <a:p>
             <a:fld id="{9EFD9D74-47D9-4702-A33C-335B63B48DBF}" type="datetimeFigureOut">
               <a:rPr lang="zh-CN" altLang="en-US" smtClean="0"/>
-              <a:t>2022/10/30</a:t>
+              <a:t>2022/10/31</a:t>
             </a:fld>
             <a:endParaRPr lang="zh-CN" altLang="en-US" dirty="0"/>
           </a:p>
@@ -6485,8 +6485,8 @@
           <a:chExt cx="0" cy="0"/>
         </a:xfrm>
       </p:grpSpPr>
-      <mc:AlternateContent xmlns:mc="http://schemas.openxmlformats.org/markup-compatibility/2006">
-        <mc:Choice xmlns:a14="http://schemas.microsoft.com/office/drawing/2010/main" Requires="a14">
+      <mc:AlternateContent xmlns:mc="http://schemas.openxmlformats.org/markup-compatibility/2006" xmlns:a14="http://schemas.microsoft.com/office/drawing/2010/main">
+        <mc:Choice Requires="a14">
           <p:sp>
             <p:nvSpPr>
               <p:cNvPr id="2" name="文本占位符 1"/>
@@ -6670,7 +6670,7 @@
             </p:txBody>
           </p:sp>
         </mc:Choice>
-        <mc:Fallback>
+        <mc:Fallback xmlns="">
           <p:sp>
             <p:nvSpPr>
               <p:cNvPr id="2" name="文本占位符 1"/>
@@ -6961,8 +6961,8 @@
           <a:chExt cx="0" cy="0"/>
         </a:xfrm>
       </p:grpSpPr>
-      <mc:AlternateContent xmlns:mc="http://schemas.openxmlformats.org/markup-compatibility/2006">
-        <mc:Choice xmlns:a14="http://schemas.microsoft.com/office/drawing/2010/main" Requires="a14">
+      <mc:AlternateContent xmlns:mc="http://schemas.openxmlformats.org/markup-compatibility/2006" xmlns:a14="http://schemas.microsoft.com/office/drawing/2010/main">
+        <mc:Choice Requires="a14">
           <p:sp>
             <p:nvSpPr>
               <p:cNvPr id="2" name="文本占位符 1"/>
@@ -7150,7 +7150,7 @@
             </p:txBody>
           </p:sp>
         </mc:Choice>
-        <mc:Fallback>
+        <mc:Fallback xmlns="">
           <p:sp>
             <p:nvSpPr>
               <p:cNvPr id="2" name="文本占位符 1"/>
@@ -9034,22 +9034,6 @@
             <a:pPr>
               <a:buFont typeface="Arial" panose="020B0604020202020204" pitchFamily="34" charset="0"/>
             </a:pPr>
-            <a:r>
-              <a:rPr lang="zh-CN" altLang="en-US" dirty="0"/>
-              <a:t>第三节</a:t>
-            </a:r>
-            <a:r>
-              <a:rPr lang="zh-CN" altLang="en-US"/>
-              <a:t>课：全</a:t>
-            </a:r>
-            <a:r>
-              <a:rPr lang="zh-CN" altLang="en-US" dirty="0"/>
-              <a:t>连接层的前向和后向传播</a:t>
-            </a:r>
-            <a:r>
-              <a:rPr lang="zh-CN" altLang="en-US"/>
-              <a:t>推导（下）</a:t>
-            </a:r>
             <a:endParaRPr dirty="0">
               <a:sym typeface="+mn-ea"/>
             </a:endParaRPr>
@@ -10060,8 +10044,8 @@
           <a:chExt cx="0" cy="0"/>
         </a:xfrm>
       </p:grpSpPr>
-      <mc:AlternateContent xmlns:mc="http://schemas.openxmlformats.org/markup-compatibility/2006">
-        <mc:Choice xmlns:a14="http://schemas.microsoft.com/office/drawing/2010/main" Requires="a14">
+      <mc:AlternateContent xmlns:mc="http://schemas.openxmlformats.org/markup-compatibility/2006" xmlns:a14="http://schemas.microsoft.com/office/drawing/2010/main">
+        <mc:Choice Requires="a14">
           <p:sp>
             <p:nvSpPr>
               <p:cNvPr id="2" name="文本占位符 1"/>
@@ -10209,7 +10193,7 @@
             </p:txBody>
           </p:sp>
         </mc:Choice>
-        <mc:Fallback>
+        <mc:Fallback xmlns="">
           <p:sp>
             <p:nvSpPr>
               <p:cNvPr id="2" name="文本占位符 1"/>
@@ -10648,8 +10632,8 @@
           <a:chExt cx="0" cy="0"/>
         </a:xfrm>
       </p:grpSpPr>
-      <mc:AlternateContent xmlns:mc="http://schemas.openxmlformats.org/markup-compatibility/2006">
-        <mc:Choice xmlns:a14="http://schemas.microsoft.com/office/drawing/2010/main" Requires="a14">
+      <mc:AlternateContent xmlns:mc="http://schemas.openxmlformats.org/markup-compatibility/2006" xmlns:a14="http://schemas.microsoft.com/office/drawing/2010/main">
+        <mc:Choice Requires="a14">
           <p:sp>
             <p:nvSpPr>
               <p:cNvPr id="2" name="文本占位符 1"/>
@@ -10798,7 +10782,7 @@
             </p:txBody>
           </p:sp>
         </mc:Choice>
-        <mc:Fallback>
+        <mc:Fallback xmlns="">
           <p:sp>
             <p:nvSpPr>
               <p:cNvPr id="2" name="文本占位符 1"/>
